--- a/_documment/FIND-workflow.pptx
+++ b/_documment/FIND-workflow.pptx
@@ -8,6 +8,9 @@
     <p:sldId id="256" r:id="rId2"/>
     <p:sldId id="257" r:id="rId3"/>
     <p:sldId id="258" r:id="rId4"/>
+    <p:sldId id="260" r:id="rId5"/>
+    <p:sldId id="261" r:id="rId6"/>
+    <p:sldId id="259" r:id="rId7"/>
   </p:sldIdLst>
   <p:sldSz cx="12192000" cy="6858000"/>
   <p:notesSz cx="6858000" cy="9144000"/>
@@ -106,6 +109,11 @@
       </a:defRPr>
     </a:lvl9pPr>
   </p:defaultTextStyle>
+  <p:extLst>
+    <p:ext uri="{EFAFB233-063F-42B5-8137-9DF3F51BA10A}">
+      <p15:sldGuideLst xmlns:p15="http://schemas.microsoft.com/office/powerpoint/2012/main"/>
+    </p:ext>
+  </p:extLst>
 </p:presentation>
 </file>
 
@@ -256,7 +264,7 @@
           <a:p>
             <a:fld id="{4DBCAEBE-D879-48DB-8A23-AC9C420EA1E8}" type="datetimeFigureOut">
               <a:rPr lang="pt-BR" smtClean="0"/>
-              <a:t>23/01/2020</a:t>
+              <a:t>26/01/2020</a:t>
             </a:fld>
             <a:endParaRPr lang="pt-BR"/>
           </a:p>
@@ -454,7 +462,7 @@
           <a:p>
             <a:fld id="{4DBCAEBE-D879-48DB-8A23-AC9C420EA1E8}" type="datetimeFigureOut">
               <a:rPr lang="pt-BR" smtClean="0"/>
-              <a:t>23/01/2020</a:t>
+              <a:t>26/01/2020</a:t>
             </a:fld>
             <a:endParaRPr lang="pt-BR"/>
           </a:p>
@@ -662,7 +670,7 @@
           <a:p>
             <a:fld id="{4DBCAEBE-D879-48DB-8A23-AC9C420EA1E8}" type="datetimeFigureOut">
               <a:rPr lang="pt-BR" smtClean="0"/>
-              <a:t>23/01/2020</a:t>
+              <a:t>26/01/2020</a:t>
             </a:fld>
             <a:endParaRPr lang="pt-BR"/>
           </a:p>
@@ -860,7 +868,7 @@
           <a:p>
             <a:fld id="{4DBCAEBE-D879-48DB-8A23-AC9C420EA1E8}" type="datetimeFigureOut">
               <a:rPr lang="pt-BR" smtClean="0"/>
-              <a:t>23/01/2020</a:t>
+              <a:t>26/01/2020</a:t>
             </a:fld>
             <a:endParaRPr lang="pt-BR"/>
           </a:p>
@@ -1135,7 +1143,7 @@
           <a:p>
             <a:fld id="{4DBCAEBE-D879-48DB-8A23-AC9C420EA1E8}" type="datetimeFigureOut">
               <a:rPr lang="pt-BR" smtClean="0"/>
-              <a:t>23/01/2020</a:t>
+              <a:t>26/01/2020</a:t>
             </a:fld>
             <a:endParaRPr lang="pt-BR"/>
           </a:p>
@@ -1400,7 +1408,7 @@
           <a:p>
             <a:fld id="{4DBCAEBE-D879-48DB-8A23-AC9C420EA1E8}" type="datetimeFigureOut">
               <a:rPr lang="pt-BR" smtClean="0"/>
-              <a:t>23/01/2020</a:t>
+              <a:t>26/01/2020</a:t>
             </a:fld>
             <a:endParaRPr lang="pt-BR"/>
           </a:p>
@@ -1812,7 +1820,7 @@
           <a:p>
             <a:fld id="{4DBCAEBE-D879-48DB-8A23-AC9C420EA1E8}" type="datetimeFigureOut">
               <a:rPr lang="pt-BR" smtClean="0"/>
-              <a:t>23/01/2020</a:t>
+              <a:t>26/01/2020</a:t>
             </a:fld>
             <a:endParaRPr lang="pt-BR"/>
           </a:p>
@@ -1953,7 +1961,7 @@
           <a:p>
             <a:fld id="{4DBCAEBE-D879-48DB-8A23-AC9C420EA1E8}" type="datetimeFigureOut">
               <a:rPr lang="pt-BR" smtClean="0"/>
-              <a:t>23/01/2020</a:t>
+              <a:t>26/01/2020</a:t>
             </a:fld>
             <a:endParaRPr lang="pt-BR"/>
           </a:p>
@@ -2066,7 +2074,7 @@
           <a:p>
             <a:fld id="{4DBCAEBE-D879-48DB-8A23-AC9C420EA1E8}" type="datetimeFigureOut">
               <a:rPr lang="pt-BR" smtClean="0"/>
-              <a:t>23/01/2020</a:t>
+              <a:t>26/01/2020</a:t>
             </a:fld>
             <a:endParaRPr lang="pt-BR"/>
           </a:p>
@@ -2377,7 +2385,7 @@
           <a:p>
             <a:fld id="{4DBCAEBE-D879-48DB-8A23-AC9C420EA1E8}" type="datetimeFigureOut">
               <a:rPr lang="pt-BR" smtClean="0"/>
-              <a:t>23/01/2020</a:t>
+              <a:t>26/01/2020</a:t>
             </a:fld>
             <a:endParaRPr lang="pt-BR"/>
           </a:p>
@@ -2665,7 +2673,7 @@
           <a:p>
             <a:fld id="{4DBCAEBE-D879-48DB-8A23-AC9C420EA1E8}" type="datetimeFigureOut">
               <a:rPr lang="pt-BR" smtClean="0"/>
-              <a:t>23/01/2020</a:t>
+              <a:t>26/01/2020</a:t>
             </a:fld>
             <a:endParaRPr lang="pt-BR"/>
           </a:p>
@@ -2910,7 +2918,7 @@
             <a:fld id="{4DBCAEBE-D879-48DB-8A23-AC9C420EA1E8}" type="datetimeFigureOut">
               <a:rPr lang="pt-BR" smtClean="0"/>
               <a:pPr/>
-              <a:t>23/01/2020</a:t>
+              <a:t>26/01/2020</a:t>
             </a:fld>
             <a:endParaRPr lang="pt-BR"/>
           </a:p>
@@ -3824,10 +3832,9 @@
           <a:lstStyle/>
           <a:p>
             <a:r>
-              <a:rPr lang="pt-BR"/>
+              <a:rPr lang="pt-BR" dirty="0"/>
               <a:t>Workflow com ISBN</a:t>
             </a:r>
-            <a:endParaRPr lang="pt-BR" dirty="0"/>
           </a:p>
         </p:txBody>
       </p:sp>
@@ -4839,6 +4846,1156 @@
     <p:extLst>
       <p:ext uri="{BB962C8B-B14F-4D97-AF65-F5344CB8AC3E}">
         <p14:creationId xmlns:p14="http://schemas.microsoft.com/office/powerpoint/2010/main" val="206527001"/>
+      </p:ext>
+    </p:extLst>
+  </p:cSld>
+  <p:clrMapOvr>
+    <a:masterClrMapping/>
+  </p:clrMapOvr>
+</p:sld>
+</file>
+
+<file path=ppt/slides/slide4.xml><?xml version="1.0" encoding="utf-8"?>
+<p:sld xmlns:a="http://schemas.openxmlformats.org/drawingml/2006/main" xmlns:r="http://schemas.openxmlformats.org/officeDocument/2006/relationships" xmlns:p="http://schemas.openxmlformats.org/presentationml/2006/main">
+  <p:cSld>
+    <p:spTree>
+      <p:nvGrpSpPr>
+        <p:cNvPr id="1" name=""/>
+        <p:cNvGrpSpPr/>
+        <p:nvPr/>
+      </p:nvGrpSpPr>
+      <p:grpSpPr>
+        <a:xfrm>
+          <a:off x="0" y="0"/>
+          <a:ext cx="0" cy="0"/>
+          <a:chOff x="0" y="0"/>
+          <a:chExt cx="0" cy="0"/>
+        </a:xfrm>
+      </p:grpSpPr>
+      <p:sp>
+        <p:nvSpPr>
+          <p:cNvPr id="2" name="Título 1">
+            <a:extLst>
+              <a:ext uri="{FF2B5EF4-FFF2-40B4-BE49-F238E27FC236}">
+                <a16:creationId xmlns:a16="http://schemas.microsoft.com/office/drawing/2014/main" id="{EE0DFE4F-CB94-4589-8DEC-A32C1CFB9A9F}"/>
+              </a:ext>
+            </a:extLst>
+          </p:cNvPr>
+          <p:cNvSpPr>
+            <a:spLocks noGrp="1"/>
+          </p:cNvSpPr>
+          <p:nvPr>
+            <p:ph type="title"/>
+          </p:nvPr>
+        </p:nvSpPr>
+        <p:spPr>
+          <a:xfrm>
+            <a:off x="838200" y="588398"/>
+            <a:ext cx="10515600" cy="882594"/>
+          </a:xfrm>
+        </p:spPr>
+        <p:txBody>
+          <a:bodyPr/>
+          <a:lstStyle/>
+          <a:p>
+            <a:r>
+              <a:rPr lang="pt-BR" dirty="0"/>
+              <a:t>Workflow de preparo técnico da obra</a:t>
+            </a:r>
+          </a:p>
+        </p:txBody>
+      </p:sp>
+      <p:pic>
+        <p:nvPicPr>
+          <p:cNvPr id="4" name="Imagem 3">
+            <a:extLst>
+              <a:ext uri="{FF2B5EF4-FFF2-40B4-BE49-F238E27FC236}">
+                <a16:creationId xmlns:a16="http://schemas.microsoft.com/office/drawing/2014/main" id="{6E3595B1-3F4F-4E6A-9476-051D339AAA70}"/>
+              </a:ext>
+            </a:extLst>
+          </p:cNvPr>
+          <p:cNvPicPr>
+            <a:picLocks noChangeAspect="1"/>
+          </p:cNvPicPr>
+          <p:nvPr/>
+        </p:nvPicPr>
+        <p:blipFill>
+          <a:blip r:embed="rId2">
+            <a:extLst>
+              <a:ext uri="{28A0092B-C50C-407E-A947-70E740481C1C}">
+                <a14:useLocalDpi xmlns:a14="http://schemas.microsoft.com/office/drawing/2010/main" val="0"/>
+              </a:ext>
+            </a:extLst>
+          </a:blip>
+          <a:stretch>
+            <a:fillRect/>
+          </a:stretch>
+        </p:blipFill>
+        <p:spPr>
+          <a:xfrm>
+            <a:off x="0" y="0"/>
+            <a:ext cx="1375576" cy="415091"/>
+          </a:xfrm>
+          <a:prstGeom prst="rect">
+            <a:avLst/>
+          </a:prstGeom>
+        </p:spPr>
+      </p:pic>
+      <p:cxnSp>
+        <p:nvCxnSpPr>
+          <p:cNvPr id="14" name="Conector de Seta Reta 13">
+            <a:extLst>
+              <a:ext uri="{FF2B5EF4-FFF2-40B4-BE49-F238E27FC236}">
+                <a16:creationId xmlns:a16="http://schemas.microsoft.com/office/drawing/2014/main" id="{5722D9FA-BDD8-4603-9183-CA412D754A4A}"/>
+              </a:ext>
+            </a:extLst>
+          </p:cNvPr>
+          <p:cNvCxnSpPr>
+            <a:cxnSpLocks/>
+          </p:cNvCxnSpPr>
+          <p:nvPr/>
+        </p:nvCxnSpPr>
+        <p:spPr>
+          <a:xfrm>
+            <a:off x="1982756" y="2295331"/>
+            <a:ext cx="0" cy="685352"/>
+          </a:xfrm>
+          <a:prstGeom prst="straightConnector1">
+            <a:avLst/>
+          </a:prstGeom>
+          <a:ln w="38100">
+            <a:tailEnd type="triangle"/>
+          </a:ln>
+        </p:spPr>
+        <p:style>
+          <a:lnRef idx="1">
+            <a:schemeClr val="accent4"/>
+          </a:lnRef>
+          <a:fillRef idx="0">
+            <a:schemeClr val="accent4"/>
+          </a:fillRef>
+          <a:effectRef idx="0">
+            <a:schemeClr val="accent4"/>
+          </a:effectRef>
+          <a:fontRef idx="minor">
+            <a:schemeClr val="tx1"/>
+          </a:fontRef>
+        </p:style>
+      </p:cxnSp>
+      <p:sp>
+        <p:nvSpPr>
+          <p:cNvPr id="26" name="Retângulo: Cantos Arredondados 25">
+            <a:extLst>
+              <a:ext uri="{FF2B5EF4-FFF2-40B4-BE49-F238E27FC236}">
+                <a16:creationId xmlns:a16="http://schemas.microsoft.com/office/drawing/2014/main" id="{E1E647AD-EE31-4799-A8FE-DD61C4D2F994}"/>
+              </a:ext>
+            </a:extLst>
+          </p:cNvPr>
+          <p:cNvSpPr/>
+          <p:nvPr/>
+        </p:nvSpPr>
+        <p:spPr>
+          <a:xfrm>
+            <a:off x="961053" y="1791068"/>
+            <a:ext cx="2043403" cy="518297"/>
+          </a:xfrm>
+          <a:prstGeom prst="roundRect">
+            <a:avLst/>
+          </a:prstGeom>
+        </p:spPr>
+        <p:style>
+          <a:lnRef idx="1">
+            <a:schemeClr val="accent3"/>
+          </a:lnRef>
+          <a:fillRef idx="2">
+            <a:schemeClr val="accent3"/>
+          </a:fillRef>
+          <a:effectRef idx="1">
+            <a:schemeClr val="accent3"/>
+          </a:effectRef>
+          <a:fontRef idx="minor">
+            <a:schemeClr val="dk1"/>
+          </a:fontRef>
+        </p:style>
+        <p:txBody>
+          <a:bodyPr rtlCol="0" anchor="ctr"/>
+          <a:lstStyle/>
+          <a:p>
+            <a:pPr algn="ctr"/>
+            <a:r>
+              <a:rPr lang="pt-BR" sz="1600" dirty="0">
+                <a:latin typeface="Segoe UI Light" panose="020B0502040204020203" pitchFamily="34" charset="0"/>
+                <a:cs typeface="Segoe UI Light" panose="020B0502040204020203" pitchFamily="34" charset="0"/>
+              </a:rPr>
+              <a:t>Item é incorporado no acervo</a:t>
+            </a:r>
+          </a:p>
+        </p:txBody>
+      </p:sp>
+      <p:sp>
+        <p:nvSpPr>
+          <p:cNvPr id="27" name="Retângulo: Cantos Arredondados 26">
+            <a:extLst>
+              <a:ext uri="{FF2B5EF4-FFF2-40B4-BE49-F238E27FC236}">
+                <a16:creationId xmlns:a16="http://schemas.microsoft.com/office/drawing/2014/main" id="{139628A5-F4C3-49FB-8976-604A729C1533}"/>
+              </a:ext>
+            </a:extLst>
+          </p:cNvPr>
+          <p:cNvSpPr/>
+          <p:nvPr/>
+        </p:nvSpPr>
+        <p:spPr>
+          <a:xfrm>
+            <a:off x="961053" y="3005225"/>
+            <a:ext cx="2043403" cy="518297"/>
+          </a:xfrm>
+          <a:prstGeom prst="roundRect">
+            <a:avLst/>
+          </a:prstGeom>
+        </p:spPr>
+        <p:style>
+          <a:lnRef idx="1">
+            <a:schemeClr val="accent3"/>
+          </a:lnRef>
+          <a:fillRef idx="2">
+            <a:schemeClr val="accent3"/>
+          </a:fillRef>
+          <a:effectRef idx="1">
+            <a:schemeClr val="accent3"/>
+          </a:effectRef>
+          <a:fontRef idx="minor">
+            <a:schemeClr val="dk1"/>
+          </a:fontRef>
+        </p:style>
+        <p:txBody>
+          <a:bodyPr rtlCol="0" anchor="ctr"/>
+          <a:lstStyle/>
+          <a:p>
+            <a:pPr algn="ctr"/>
+            <a:r>
+              <a:rPr lang="pt-BR" sz="1600" dirty="0">
+                <a:latin typeface="Segoe UI Light" panose="020B0502040204020203" pitchFamily="34" charset="0"/>
+                <a:cs typeface="Segoe UI Light" panose="020B0502040204020203" pitchFamily="34" charset="0"/>
+              </a:rPr>
+              <a:t>Representação Descritiva</a:t>
+            </a:r>
+          </a:p>
+        </p:txBody>
+      </p:sp>
+      <p:cxnSp>
+        <p:nvCxnSpPr>
+          <p:cNvPr id="29" name="Conector de Seta Reta 28">
+            <a:extLst>
+              <a:ext uri="{FF2B5EF4-FFF2-40B4-BE49-F238E27FC236}">
+                <a16:creationId xmlns:a16="http://schemas.microsoft.com/office/drawing/2014/main" id="{C1F0623C-1D6B-4014-8FDD-C0F1777CF862}"/>
+              </a:ext>
+            </a:extLst>
+          </p:cNvPr>
+          <p:cNvCxnSpPr>
+            <a:cxnSpLocks/>
+          </p:cNvCxnSpPr>
+          <p:nvPr/>
+        </p:nvCxnSpPr>
+        <p:spPr>
+          <a:xfrm>
+            <a:off x="1982757" y="3502631"/>
+            <a:ext cx="0" cy="685352"/>
+          </a:xfrm>
+          <a:prstGeom prst="straightConnector1">
+            <a:avLst/>
+          </a:prstGeom>
+          <a:ln w="38100">
+            <a:tailEnd type="triangle"/>
+          </a:ln>
+        </p:spPr>
+        <p:style>
+          <a:lnRef idx="1">
+            <a:schemeClr val="accent4"/>
+          </a:lnRef>
+          <a:fillRef idx="0">
+            <a:schemeClr val="accent4"/>
+          </a:fillRef>
+          <a:effectRef idx="0">
+            <a:schemeClr val="accent4"/>
+          </a:effectRef>
+          <a:fontRef idx="minor">
+            <a:schemeClr val="tx1"/>
+          </a:fontRef>
+        </p:style>
+      </p:cxnSp>
+      <p:sp>
+        <p:nvSpPr>
+          <p:cNvPr id="30" name="Retângulo: Cantos Arredondados 29">
+            <a:extLst>
+              <a:ext uri="{FF2B5EF4-FFF2-40B4-BE49-F238E27FC236}">
+                <a16:creationId xmlns:a16="http://schemas.microsoft.com/office/drawing/2014/main" id="{5BD0BA1E-ECD1-417C-91C4-78302D9EB7B6}"/>
+              </a:ext>
+            </a:extLst>
+          </p:cNvPr>
+          <p:cNvSpPr/>
+          <p:nvPr/>
+        </p:nvSpPr>
+        <p:spPr>
+          <a:xfrm>
+            <a:off x="961052" y="5528546"/>
+            <a:ext cx="2043403" cy="518297"/>
+          </a:xfrm>
+          <a:prstGeom prst="roundRect">
+            <a:avLst/>
+          </a:prstGeom>
+        </p:spPr>
+        <p:style>
+          <a:lnRef idx="1">
+            <a:schemeClr val="accent3"/>
+          </a:lnRef>
+          <a:fillRef idx="2">
+            <a:schemeClr val="accent3"/>
+          </a:fillRef>
+          <a:effectRef idx="1">
+            <a:schemeClr val="accent3"/>
+          </a:effectRef>
+          <a:fontRef idx="minor">
+            <a:schemeClr val="dk1"/>
+          </a:fontRef>
+        </p:style>
+        <p:txBody>
+          <a:bodyPr rtlCol="0" anchor="ctr"/>
+          <a:lstStyle/>
+          <a:p>
+            <a:pPr algn="ctr"/>
+            <a:r>
+              <a:rPr lang="pt-BR" sz="1600" dirty="0">
+                <a:latin typeface="Segoe UI Light" panose="020B0502040204020203" pitchFamily="34" charset="0"/>
+                <a:cs typeface="Segoe UI Light" panose="020B0502040204020203" pitchFamily="34" charset="0"/>
+              </a:rPr>
+              <a:t>Preparo Físico</a:t>
+            </a:r>
+          </a:p>
+        </p:txBody>
+      </p:sp>
+      <p:sp>
+        <p:nvSpPr>
+          <p:cNvPr id="31" name="Retângulo: Cantos Arredondados 30">
+            <a:extLst>
+              <a:ext uri="{FF2B5EF4-FFF2-40B4-BE49-F238E27FC236}">
+                <a16:creationId xmlns:a16="http://schemas.microsoft.com/office/drawing/2014/main" id="{3206998C-CDE1-4392-8D49-4AA8015D48C3}"/>
+              </a:ext>
+            </a:extLst>
+          </p:cNvPr>
+          <p:cNvSpPr/>
+          <p:nvPr/>
+        </p:nvSpPr>
+        <p:spPr>
+          <a:xfrm>
+            <a:off x="961053" y="4187983"/>
+            <a:ext cx="2043403" cy="518297"/>
+          </a:xfrm>
+          <a:prstGeom prst="roundRect">
+            <a:avLst/>
+          </a:prstGeom>
+        </p:spPr>
+        <p:style>
+          <a:lnRef idx="1">
+            <a:schemeClr val="accent3"/>
+          </a:lnRef>
+          <a:fillRef idx="2">
+            <a:schemeClr val="accent3"/>
+          </a:fillRef>
+          <a:effectRef idx="1">
+            <a:schemeClr val="accent3"/>
+          </a:effectRef>
+          <a:fontRef idx="minor">
+            <a:schemeClr val="dk1"/>
+          </a:fontRef>
+        </p:style>
+        <p:txBody>
+          <a:bodyPr rtlCol="0" anchor="ctr"/>
+          <a:lstStyle/>
+          <a:p>
+            <a:pPr algn="ctr"/>
+            <a:r>
+              <a:rPr lang="pt-BR" sz="1600" dirty="0">
+                <a:latin typeface="Segoe UI Light" panose="020B0502040204020203" pitchFamily="34" charset="0"/>
+                <a:cs typeface="Segoe UI Light" panose="020B0502040204020203" pitchFamily="34" charset="0"/>
+              </a:rPr>
+              <a:t>Representação Temática</a:t>
+            </a:r>
+          </a:p>
+        </p:txBody>
+      </p:sp>
+      <p:sp>
+        <p:nvSpPr>
+          <p:cNvPr id="34" name="Retângulo: Cantos Arredondados 33">
+            <a:extLst>
+              <a:ext uri="{FF2B5EF4-FFF2-40B4-BE49-F238E27FC236}">
+                <a16:creationId xmlns:a16="http://schemas.microsoft.com/office/drawing/2014/main" id="{5E316D76-F932-471D-A9B5-DA9E7B988420}"/>
+              </a:ext>
+            </a:extLst>
+          </p:cNvPr>
+          <p:cNvSpPr/>
+          <p:nvPr/>
+        </p:nvSpPr>
+        <p:spPr>
+          <a:xfrm>
+            <a:off x="4189282" y="5376561"/>
+            <a:ext cx="2043403" cy="822265"/>
+          </a:xfrm>
+          <a:prstGeom prst="roundRect">
+            <a:avLst/>
+          </a:prstGeom>
+        </p:spPr>
+        <p:style>
+          <a:lnRef idx="1">
+            <a:schemeClr val="accent3"/>
+          </a:lnRef>
+          <a:fillRef idx="2">
+            <a:schemeClr val="accent3"/>
+          </a:fillRef>
+          <a:effectRef idx="1">
+            <a:schemeClr val="accent3"/>
+          </a:effectRef>
+          <a:fontRef idx="minor">
+            <a:schemeClr val="dk1"/>
+          </a:fontRef>
+        </p:style>
+        <p:txBody>
+          <a:bodyPr rtlCol="0" anchor="ctr"/>
+          <a:lstStyle/>
+          <a:p>
+            <a:pPr algn="ctr"/>
+            <a:r>
+              <a:rPr lang="pt-BR" sz="1600" dirty="0">
+                <a:latin typeface="Segoe UI Light" panose="020B0502040204020203" pitchFamily="34" charset="0"/>
+                <a:cs typeface="Segoe UI Light" panose="020B0502040204020203" pitchFamily="34" charset="0"/>
+              </a:rPr>
+              <a:t>Disponibilização no acervo</a:t>
+            </a:r>
+          </a:p>
+        </p:txBody>
+      </p:sp>
+      <p:cxnSp>
+        <p:nvCxnSpPr>
+          <p:cNvPr id="36" name="Conector de Seta Reta 35">
+            <a:extLst>
+              <a:ext uri="{FF2B5EF4-FFF2-40B4-BE49-F238E27FC236}">
+                <a16:creationId xmlns:a16="http://schemas.microsoft.com/office/drawing/2014/main" id="{EE429F46-54C4-4007-8269-7F490B4191DB}"/>
+              </a:ext>
+            </a:extLst>
+          </p:cNvPr>
+          <p:cNvCxnSpPr>
+            <a:cxnSpLocks/>
+            <a:stCxn id="31" idx="2"/>
+            <a:endCxn id="30" idx="0"/>
+          </p:cNvCxnSpPr>
+          <p:nvPr/>
+        </p:nvCxnSpPr>
+        <p:spPr>
+          <a:xfrm flipH="1">
+            <a:off x="1982754" y="4706280"/>
+            <a:ext cx="1" cy="822266"/>
+          </a:xfrm>
+          <a:prstGeom prst="straightConnector1">
+            <a:avLst/>
+          </a:prstGeom>
+          <a:ln w="38100">
+            <a:tailEnd type="triangle"/>
+          </a:ln>
+        </p:spPr>
+        <p:style>
+          <a:lnRef idx="1">
+            <a:schemeClr val="accent4"/>
+          </a:lnRef>
+          <a:fillRef idx="0">
+            <a:schemeClr val="accent4"/>
+          </a:fillRef>
+          <a:effectRef idx="0">
+            <a:schemeClr val="accent4"/>
+          </a:effectRef>
+          <a:fontRef idx="minor">
+            <a:schemeClr val="tx1"/>
+          </a:fontRef>
+        </p:style>
+      </p:cxnSp>
+      <p:cxnSp>
+        <p:nvCxnSpPr>
+          <p:cNvPr id="40" name="Conector de Seta Reta 39">
+            <a:extLst>
+              <a:ext uri="{FF2B5EF4-FFF2-40B4-BE49-F238E27FC236}">
+                <a16:creationId xmlns:a16="http://schemas.microsoft.com/office/drawing/2014/main" id="{F8ADED09-8CBF-46D5-BAD5-0674F46AE72E}"/>
+              </a:ext>
+            </a:extLst>
+          </p:cNvPr>
+          <p:cNvCxnSpPr>
+            <a:cxnSpLocks/>
+            <a:stCxn id="30" idx="3"/>
+            <a:endCxn id="34" idx="1"/>
+          </p:cNvCxnSpPr>
+          <p:nvPr/>
+        </p:nvCxnSpPr>
+        <p:spPr>
+          <a:xfrm flipV="1">
+            <a:off x="3004455" y="5787694"/>
+            <a:ext cx="1184827" cy="1"/>
+          </a:xfrm>
+          <a:prstGeom prst="straightConnector1">
+            <a:avLst/>
+          </a:prstGeom>
+          <a:ln w="38100">
+            <a:tailEnd type="triangle"/>
+          </a:ln>
+        </p:spPr>
+        <p:style>
+          <a:lnRef idx="1">
+            <a:schemeClr val="accent4"/>
+          </a:lnRef>
+          <a:fillRef idx="0">
+            <a:schemeClr val="accent4"/>
+          </a:fillRef>
+          <a:effectRef idx="0">
+            <a:schemeClr val="accent4"/>
+          </a:effectRef>
+          <a:fontRef idx="minor">
+            <a:schemeClr val="tx1"/>
+          </a:fontRef>
+        </p:style>
+      </p:cxnSp>
+    </p:spTree>
+    <p:extLst>
+      <p:ext uri="{BB962C8B-B14F-4D97-AF65-F5344CB8AC3E}">
+        <p14:creationId xmlns:p14="http://schemas.microsoft.com/office/powerpoint/2010/main" val="3659616400"/>
+      </p:ext>
+    </p:extLst>
+  </p:cSld>
+  <p:clrMapOvr>
+    <a:masterClrMapping/>
+  </p:clrMapOvr>
+</p:sld>
+</file>
+
+<file path=ppt/slides/slide5.xml><?xml version="1.0" encoding="utf-8"?>
+<p:sld xmlns:a="http://schemas.openxmlformats.org/drawingml/2006/main" xmlns:r="http://schemas.openxmlformats.org/officeDocument/2006/relationships" xmlns:p="http://schemas.openxmlformats.org/presentationml/2006/main">
+  <p:cSld>
+    <p:spTree>
+      <p:nvGrpSpPr>
+        <p:cNvPr id="1" name=""/>
+        <p:cNvGrpSpPr/>
+        <p:nvPr/>
+      </p:nvGrpSpPr>
+      <p:grpSpPr>
+        <a:xfrm>
+          <a:off x="0" y="0"/>
+          <a:ext cx="0" cy="0"/>
+          <a:chOff x="0" y="0"/>
+          <a:chExt cx="0" cy="0"/>
+        </a:xfrm>
+      </p:grpSpPr>
+      <p:sp>
+        <p:nvSpPr>
+          <p:cNvPr id="2" name="Título 1">
+            <a:extLst>
+              <a:ext uri="{FF2B5EF4-FFF2-40B4-BE49-F238E27FC236}">
+                <a16:creationId xmlns:a16="http://schemas.microsoft.com/office/drawing/2014/main" id="{EE0DFE4F-CB94-4589-8DEC-A32C1CFB9A9F}"/>
+              </a:ext>
+            </a:extLst>
+          </p:cNvPr>
+          <p:cNvSpPr>
+            <a:spLocks noGrp="1"/>
+          </p:cNvSpPr>
+          <p:nvPr>
+            <p:ph type="title"/>
+          </p:nvPr>
+        </p:nvSpPr>
+        <p:spPr>
+          <a:xfrm>
+            <a:off x="838200" y="588398"/>
+            <a:ext cx="10515600" cy="882594"/>
+          </a:xfrm>
+        </p:spPr>
+        <p:txBody>
+          <a:bodyPr/>
+          <a:lstStyle/>
+          <a:p>
+            <a:r>
+              <a:rPr lang="pt-BR" dirty="0"/>
+              <a:t>Workflow de </a:t>
+            </a:r>
+            <a:r>
+              <a:rPr lang="pt-BR" dirty="0" err="1"/>
+              <a:t>incopração</a:t>
+            </a:r>
+            <a:r>
+              <a:rPr lang="pt-BR" dirty="0"/>
+              <a:t> no acervo</a:t>
+            </a:r>
+          </a:p>
+        </p:txBody>
+      </p:sp>
+      <p:pic>
+        <p:nvPicPr>
+          <p:cNvPr id="4" name="Imagem 3">
+            <a:extLst>
+              <a:ext uri="{FF2B5EF4-FFF2-40B4-BE49-F238E27FC236}">
+                <a16:creationId xmlns:a16="http://schemas.microsoft.com/office/drawing/2014/main" id="{6E3595B1-3F4F-4E6A-9476-051D339AAA70}"/>
+              </a:ext>
+            </a:extLst>
+          </p:cNvPr>
+          <p:cNvPicPr>
+            <a:picLocks noChangeAspect="1"/>
+          </p:cNvPicPr>
+          <p:nvPr/>
+        </p:nvPicPr>
+        <p:blipFill>
+          <a:blip r:embed="rId2">
+            <a:extLst>
+              <a:ext uri="{28A0092B-C50C-407E-A947-70E740481C1C}">
+                <a14:useLocalDpi xmlns:a14="http://schemas.microsoft.com/office/drawing/2010/main" val="0"/>
+              </a:ext>
+            </a:extLst>
+          </a:blip>
+          <a:stretch>
+            <a:fillRect/>
+          </a:stretch>
+        </p:blipFill>
+        <p:spPr>
+          <a:xfrm>
+            <a:off x="0" y="0"/>
+            <a:ext cx="1375576" cy="415091"/>
+          </a:xfrm>
+          <a:prstGeom prst="rect">
+            <a:avLst/>
+          </a:prstGeom>
+        </p:spPr>
+      </p:pic>
+      <p:cxnSp>
+        <p:nvCxnSpPr>
+          <p:cNvPr id="14" name="Conector de Seta Reta 13">
+            <a:extLst>
+              <a:ext uri="{FF2B5EF4-FFF2-40B4-BE49-F238E27FC236}">
+                <a16:creationId xmlns:a16="http://schemas.microsoft.com/office/drawing/2014/main" id="{5722D9FA-BDD8-4603-9183-CA412D754A4A}"/>
+              </a:ext>
+            </a:extLst>
+          </p:cNvPr>
+          <p:cNvCxnSpPr>
+            <a:cxnSpLocks/>
+          </p:cNvCxnSpPr>
+          <p:nvPr/>
+        </p:nvCxnSpPr>
+        <p:spPr>
+          <a:xfrm>
+            <a:off x="1982756" y="2295331"/>
+            <a:ext cx="0" cy="685352"/>
+          </a:xfrm>
+          <a:prstGeom prst="straightConnector1">
+            <a:avLst/>
+          </a:prstGeom>
+          <a:ln w="38100">
+            <a:tailEnd type="triangle"/>
+          </a:ln>
+        </p:spPr>
+        <p:style>
+          <a:lnRef idx="1">
+            <a:schemeClr val="accent4"/>
+          </a:lnRef>
+          <a:fillRef idx="0">
+            <a:schemeClr val="accent4"/>
+          </a:fillRef>
+          <a:effectRef idx="0">
+            <a:schemeClr val="accent4"/>
+          </a:effectRef>
+          <a:fontRef idx="minor">
+            <a:schemeClr val="tx1"/>
+          </a:fontRef>
+        </p:style>
+      </p:cxnSp>
+      <p:sp>
+        <p:nvSpPr>
+          <p:cNvPr id="26" name="Retângulo: Cantos Arredondados 25">
+            <a:extLst>
+              <a:ext uri="{FF2B5EF4-FFF2-40B4-BE49-F238E27FC236}">
+                <a16:creationId xmlns:a16="http://schemas.microsoft.com/office/drawing/2014/main" id="{E1E647AD-EE31-4799-A8FE-DD61C4D2F994}"/>
+              </a:ext>
+            </a:extLst>
+          </p:cNvPr>
+          <p:cNvSpPr/>
+          <p:nvPr/>
+        </p:nvSpPr>
+        <p:spPr>
+          <a:xfrm>
+            <a:off x="961053" y="1791068"/>
+            <a:ext cx="2043403" cy="518297"/>
+          </a:xfrm>
+          <a:prstGeom prst="roundRect">
+            <a:avLst/>
+          </a:prstGeom>
+        </p:spPr>
+        <p:style>
+          <a:lnRef idx="1">
+            <a:schemeClr val="accent3"/>
+          </a:lnRef>
+          <a:fillRef idx="2">
+            <a:schemeClr val="accent3"/>
+          </a:fillRef>
+          <a:effectRef idx="1">
+            <a:schemeClr val="accent3"/>
+          </a:effectRef>
+          <a:fontRef idx="minor">
+            <a:schemeClr val="dk1"/>
+          </a:fontRef>
+        </p:style>
+        <p:txBody>
+          <a:bodyPr rtlCol="0" anchor="ctr"/>
+          <a:lstStyle/>
+          <a:p>
+            <a:pPr algn="ctr"/>
+            <a:r>
+              <a:rPr lang="pt-BR" sz="1600" dirty="0">
+                <a:latin typeface="Segoe UI Light" panose="020B0502040204020203" pitchFamily="34" charset="0"/>
+                <a:cs typeface="Segoe UI Light" panose="020B0502040204020203" pitchFamily="34" charset="0"/>
+              </a:rPr>
+              <a:t>Item é incorporado no acervo</a:t>
+            </a:r>
+          </a:p>
+        </p:txBody>
+      </p:sp>
+      <p:sp>
+        <p:nvSpPr>
+          <p:cNvPr id="27" name="Retângulo: Cantos Arredondados 26">
+            <a:extLst>
+              <a:ext uri="{FF2B5EF4-FFF2-40B4-BE49-F238E27FC236}">
+                <a16:creationId xmlns:a16="http://schemas.microsoft.com/office/drawing/2014/main" id="{139628A5-F4C3-49FB-8976-604A729C1533}"/>
+              </a:ext>
+            </a:extLst>
+          </p:cNvPr>
+          <p:cNvSpPr/>
+          <p:nvPr/>
+        </p:nvSpPr>
+        <p:spPr>
+          <a:xfrm>
+            <a:off x="961053" y="3005225"/>
+            <a:ext cx="2043403" cy="518297"/>
+          </a:xfrm>
+          <a:prstGeom prst="roundRect">
+            <a:avLst/>
+          </a:prstGeom>
+        </p:spPr>
+        <p:style>
+          <a:lnRef idx="1">
+            <a:schemeClr val="accent3"/>
+          </a:lnRef>
+          <a:fillRef idx="2">
+            <a:schemeClr val="accent3"/>
+          </a:fillRef>
+          <a:effectRef idx="1">
+            <a:schemeClr val="accent3"/>
+          </a:effectRef>
+          <a:fontRef idx="minor">
+            <a:schemeClr val="dk1"/>
+          </a:fontRef>
+        </p:style>
+        <p:txBody>
+          <a:bodyPr rtlCol="0" anchor="ctr"/>
+          <a:lstStyle/>
+          <a:p>
+            <a:pPr algn="ctr"/>
+            <a:r>
+              <a:rPr lang="pt-BR" sz="1600" dirty="0">
+                <a:latin typeface="Segoe UI Light" panose="020B0502040204020203" pitchFamily="34" charset="0"/>
+                <a:cs typeface="Segoe UI Light" panose="020B0502040204020203" pitchFamily="34" charset="0"/>
+              </a:rPr>
+              <a:t>Representação Descritiva</a:t>
+            </a:r>
+          </a:p>
+        </p:txBody>
+      </p:sp>
+      <p:cxnSp>
+        <p:nvCxnSpPr>
+          <p:cNvPr id="29" name="Conector de Seta Reta 28">
+            <a:extLst>
+              <a:ext uri="{FF2B5EF4-FFF2-40B4-BE49-F238E27FC236}">
+                <a16:creationId xmlns:a16="http://schemas.microsoft.com/office/drawing/2014/main" id="{C1F0623C-1D6B-4014-8FDD-C0F1777CF862}"/>
+              </a:ext>
+            </a:extLst>
+          </p:cNvPr>
+          <p:cNvCxnSpPr>
+            <a:cxnSpLocks/>
+          </p:cNvCxnSpPr>
+          <p:nvPr/>
+        </p:nvCxnSpPr>
+        <p:spPr>
+          <a:xfrm>
+            <a:off x="1982757" y="3502631"/>
+            <a:ext cx="0" cy="685352"/>
+          </a:xfrm>
+          <a:prstGeom prst="straightConnector1">
+            <a:avLst/>
+          </a:prstGeom>
+          <a:ln w="38100">
+            <a:tailEnd type="triangle"/>
+          </a:ln>
+        </p:spPr>
+        <p:style>
+          <a:lnRef idx="1">
+            <a:schemeClr val="accent4"/>
+          </a:lnRef>
+          <a:fillRef idx="0">
+            <a:schemeClr val="accent4"/>
+          </a:fillRef>
+          <a:effectRef idx="0">
+            <a:schemeClr val="accent4"/>
+          </a:effectRef>
+          <a:fontRef idx="minor">
+            <a:schemeClr val="tx1"/>
+          </a:fontRef>
+        </p:style>
+      </p:cxnSp>
+      <p:sp>
+        <p:nvSpPr>
+          <p:cNvPr id="30" name="Retângulo: Cantos Arredondados 29">
+            <a:extLst>
+              <a:ext uri="{FF2B5EF4-FFF2-40B4-BE49-F238E27FC236}">
+                <a16:creationId xmlns:a16="http://schemas.microsoft.com/office/drawing/2014/main" id="{5BD0BA1E-ECD1-417C-91C4-78302D9EB7B6}"/>
+              </a:ext>
+            </a:extLst>
+          </p:cNvPr>
+          <p:cNvSpPr/>
+          <p:nvPr/>
+        </p:nvSpPr>
+        <p:spPr>
+          <a:xfrm>
+            <a:off x="961054" y="4212525"/>
+            <a:ext cx="2043403" cy="518297"/>
+          </a:xfrm>
+          <a:prstGeom prst="roundRect">
+            <a:avLst/>
+          </a:prstGeom>
+        </p:spPr>
+        <p:style>
+          <a:lnRef idx="1">
+            <a:schemeClr val="accent3"/>
+          </a:lnRef>
+          <a:fillRef idx="2">
+            <a:schemeClr val="accent3"/>
+          </a:fillRef>
+          <a:effectRef idx="1">
+            <a:schemeClr val="accent3"/>
+          </a:effectRef>
+          <a:fontRef idx="minor">
+            <a:schemeClr val="dk1"/>
+          </a:fontRef>
+        </p:style>
+        <p:txBody>
+          <a:bodyPr rtlCol="0" anchor="ctr"/>
+          <a:lstStyle/>
+          <a:p>
+            <a:pPr algn="ctr"/>
+            <a:r>
+              <a:rPr lang="pt-BR" sz="1600" dirty="0">
+                <a:latin typeface="Segoe UI Light" panose="020B0502040204020203" pitchFamily="34" charset="0"/>
+                <a:cs typeface="Segoe UI Light" panose="020B0502040204020203" pitchFamily="34" charset="0"/>
+              </a:rPr>
+              <a:t>Preparo Físico</a:t>
+            </a:r>
+          </a:p>
+        </p:txBody>
+      </p:sp>
+      <p:sp>
+        <p:nvSpPr>
+          <p:cNvPr id="31" name="Retângulo: Cantos Arredondados 30">
+            <a:extLst>
+              <a:ext uri="{FF2B5EF4-FFF2-40B4-BE49-F238E27FC236}">
+                <a16:creationId xmlns:a16="http://schemas.microsoft.com/office/drawing/2014/main" id="{3206998C-CDE1-4392-8D49-4AA8015D48C3}"/>
+              </a:ext>
+            </a:extLst>
+          </p:cNvPr>
+          <p:cNvSpPr/>
+          <p:nvPr/>
+        </p:nvSpPr>
+        <p:spPr>
+          <a:xfrm>
+            <a:off x="4052597" y="3005225"/>
+            <a:ext cx="2043403" cy="518297"/>
+          </a:xfrm>
+          <a:prstGeom prst="roundRect">
+            <a:avLst/>
+          </a:prstGeom>
+        </p:spPr>
+        <p:style>
+          <a:lnRef idx="1">
+            <a:schemeClr val="accent3"/>
+          </a:lnRef>
+          <a:fillRef idx="2">
+            <a:schemeClr val="accent3"/>
+          </a:fillRef>
+          <a:effectRef idx="1">
+            <a:schemeClr val="accent3"/>
+          </a:effectRef>
+          <a:fontRef idx="minor">
+            <a:schemeClr val="dk1"/>
+          </a:fontRef>
+        </p:style>
+        <p:txBody>
+          <a:bodyPr rtlCol="0" anchor="ctr"/>
+          <a:lstStyle/>
+          <a:p>
+            <a:pPr algn="ctr"/>
+            <a:r>
+              <a:rPr lang="pt-BR" sz="1600" dirty="0">
+                <a:latin typeface="Segoe UI Light" panose="020B0502040204020203" pitchFamily="34" charset="0"/>
+                <a:cs typeface="Segoe UI Light" panose="020B0502040204020203" pitchFamily="34" charset="0"/>
+              </a:rPr>
+              <a:t>Representação Descritiva</a:t>
+            </a:r>
+          </a:p>
+        </p:txBody>
+      </p:sp>
+      <p:cxnSp>
+        <p:nvCxnSpPr>
+          <p:cNvPr id="33" name="Conector de Seta Reta 32">
+            <a:extLst>
+              <a:ext uri="{FF2B5EF4-FFF2-40B4-BE49-F238E27FC236}">
+                <a16:creationId xmlns:a16="http://schemas.microsoft.com/office/drawing/2014/main" id="{3020329F-02E7-418A-8487-66E3C588458A}"/>
+              </a:ext>
+            </a:extLst>
+          </p:cNvPr>
+          <p:cNvCxnSpPr>
+            <a:cxnSpLocks/>
+            <a:stCxn id="27" idx="3"/>
+            <a:endCxn id="31" idx="1"/>
+          </p:cNvCxnSpPr>
+          <p:nvPr/>
+        </p:nvCxnSpPr>
+        <p:spPr>
+          <a:xfrm>
+            <a:off x="3004456" y="3264374"/>
+            <a:ext cx="1048141" cy="0"/>
+          </a:xfrm>
+          <a:prstGeom prst="straightConnector1">
+            <a:avLst/>
+          </a:prstGeom>
+          <a:ln w="38100">
+            <a:tailEnd type="triangle"/>
+          </a:ln>
+        </p:spPr>
+        <p:style>
+          <a:lnRef idx="1">
+            <a:schemeClr val="accent4"/>
+          </a:lnRef>
+          <a:fillRef idx="0">
+            <a:schemeClr val="accent4"/>
+          </a:fillRef>
+          <a:effectRef idx="0">
+            <a:schemeClr val="accent4"/>
+          </a:effectRef>
+          <a:fontRef idx="minor">
+            <a:schemeClr val="tx1"/>
+          </a:fontRef>
+        </p:style>
+      </p:cxnSp>
+      <p:sp>
+        <p:nvSpPr>
+          <p:cNvPr id="34" name="Retângulo: Cantos Arredondados 33">
+            <a:extLst>
+              <a:ext uri="{FF2B5EF4-FFF2-40B4-BE49-F238E27FC236}">
+                <a16:creationId xmlns:a16="http://schemas.microsoft.com/office/drawing/2014/main" id="{5E316D76-F932-471D-A9B5-DA9E7B988420}"/>
+              </a:ext>
+            </a:extLst>
+          </p:cNvPr>
+          <p:cNvSpPr/>
+          <p:nvPr/>
+        </p:nvSpPr>
+        <p:spPr>
+          <a:xfrm>
+            <a:off x="961052" y="5439687"/>
+            <a:ext cx="2043403" cy="518297"/>
+          </a:xfrm>
+          <a:prstGeom prst="roundRect">
+            <a:avLst/>
+          </a:prstGeom>
+        </p:spPr>
+        <p:style>
+          <a:lnRef idx="1">
+            <a:schemeClr val="accent3"/>
+          </a:lnRef>
+          <a:fillRef idx="2">
+            <a:schemeClr val="accent3"/>
+          </a:fillRef>
+          <a:effectRef idx="1">
+            <a:schemeClr val="accent3"/>
+          </a:effectRef>
+          <a:fontRef idx="minor">
+            <a:schemeClr val="dk1"/>
+          </a:fontRef>
+        </p:style>
+        <p:txBody>
+          <a:bodyPr rtlCol="0" anchor="ctr"/>
+          <a:lstStyle/>
+          <a:p>
+            <a:pPr algn="ctr"/>
+            <a:r>
+              <a:rPr lang="pt-BR" sz="1600" dirty="0">
+                <a:latin typeface="Segoe UI Light" panose="020B0502040204020203" pitchFamily="34" charset="0"/>
+                <a:cs typeface="Segoe UI Light" panose="020B0502040204020203" pitchFamily="34" charset="0"/>
+              </a:rPr>
+              <a:t>Disponibilização no acervo</a:t>
+            </a:r>
+          </a:p>
+        </p:txBody>
+      </p:sp>
+      <p:cxnSp>
+        <p:nvCxnSpPr>
+          <p:cNvPr id="36" name="Conector de Seta Reta 35">
+            <a:extLst>
+              <a:ext uri="{FF2B5EF4-FFF2-40B4-BE49-F238E27FC236}">
+                <a16:creationId xmlns:a16="http://schemas.microsoft.com/office/drawing/2014/main" id="{EE429F46-54C4-4007-8269-7F490B4191DB}"/>
+              </a:ext>
+            </a:extLst>
+          </p:cNvPr>
+          <p:cNvCxnSpPr>
+            <a:cxnSpLocks/>
+          </p:cNvCxnSpPr>
+          <p:nvPr/>
+        </p:nvCxnSpPr>
+        <p:spPr>
+          <a:xfrm>
+            <a:off x="1982754" y="4730822"/>
+            <a:ext cx="0" cy="685352"/>
+          </a:xfrm>
+          <a:prstGeom prst="straightConnector1">
+            <a:avLst/>
+          </a:prstGeom>
+          <a:ln w="38100">
+            <a:tailEnd type="triangle"/>
+          </a:ln>
+        </p:spPr>
+        <p:style>
+          <a:lnRef idx="1">
+            <a:schemeClr val="accent4"/>
+          </a:lnRef>
+          <a:fillRef idx="0">
+            <a:schemeClr val="accent4"/>
+          </a:fillRef>
+          <a:effectRef idx="0">
+            <a:schemeClr val="accent4"/>
+          </a:effectRef>
+          <a:fontRef idx="minor">
+            <a:schemeClr val="tx1"/>
+          </a:fontRef>
+        </p:style>
+      </p:cxnSp>
+    </p:spTree>
+    <p:extLst>
+      <p:ext uri="{BB962C8B-B14F-4D97-AF65-F5344CB8AC3E}">
+        <p14:creationId xmlns:p14="http://schemas.microsoft.com/office/powerpoint/2010/main" val="794613575"/>
+      </p:ext>
+    </p:extLst>
+  </p:cSld>
+  <p:clrMapOvr>
+    <a:masterClrMapping/>
+  </p:clrMapOvr>
+</p:sld>
+</file>
+
+<file path=ppt/slides/slide6.xml><?xml version="1.0" encoding="utf-8"?>
+<p:sld xmlns:a="http://schemas.openxmlformats.org/drawingml/2006/main" xmlns:r="http://schemas.openxmlformats.org/officeDocument/2006/relationships" xmlns:p="http://schemas.openxmlformats.org/presentationml/2006/main">
+  <p:cSld>
+    <p:bg>
+      <p:bgPr>
+        <a:gradFill flip="none" rotWithShape="1">
+          <a:gsLst>
+            <a:gs pos="0">
+              <a:schemeClr val="accent3">
+                <a:lumMod val="0"/>
+                <a:lumOff val="100000"/>
+              </a:schemeClr>
+            </a:gs>
+            <a:gs pos="35000">
+              <a:schemeClr val="accent3">
+                <a:lumMod val="0"/>
+                <a:lumOff val="100000"/>
+              </a:schemeClr>
+            </a:gs>
+            <a:gs pos="100000">
+              <a:schemeClr val="accent3">
+                <a:lumMod val="100000"/>
+              </a:schemeClr>
+            </a:gs>
+          </a:gsLst>
+          <a:path path="circle">
+            <a:fillToRect l="50000" t="-80000" r="50000" b="180000"/>
+          </a:path>
+          <a:tileRect/>
+        </a:gradFill>
+        <a:effectLst/>
+      </p:bgPr>
+    </p:bg>
+    <p:spTree>
+      <p:nvGrpSpPr>
+        <p:cNvPr id="1" name=""/>
+        <p:cNvGrpSpPr/>
+        <p:nvPr/>
+      </p:nvGrpSpPr>
+      <p:grpSpPr>
+        <a:xfrm>
+          <a:off x="0" y="0"/>
+          <a:ext cx="0" cy="0"/>
+          <a:chOff x="0" y="0"/>
+          <a:chExt cx="0" cy="0"/>
+        </a:xfrm>
+      </p:grpSpPr>
+      <p:sp>
+        <p:nvSpPr>
+          <p:cNvPr id="2" name="Título 1">
+            <a:extLst>
+              <a:ext uri="{FF2B5EF4-FFF2-40B4-BE49-F238E27FC236}">
+                <a16:creationId xmlns:a16="http://schemas.microsoft.com/office/drawing/2014/main" id="{71BA3978-4A03-44BD-B4D5-314207E9A263}"/>
+              </a:ext>
+            </a:extLst>
+          </p:cNvPr>
+          <p:cNvSpPr>
+            <a:spLocks noGrp="1"/>
+          </p:cNvSpPr>
+          <p:nvPr>
+            <p:ph type="title"/>
+          </p:nvPr>
+        </p:nvSpPr>
+        <p:spPr/>
+        <p:txBody>
+          <a:bodyPr/>
+          <a:lstStyle/>
+          <a:p>
+            <a:endParaRPr lang="pt-BR"/>
+          </a:p>
+        </p:txBody>
+      </p:sp>
+      <p:sp>
+        <p:nvSpPr>
+          <p:cNvPr id="3" name="Espaço Reservado para Conteúdo 2">
+            <a:extLst>
+              <a:ext uri="{FF2B5EF4-FFF2-40B4-BE49-F238E27FC236}">
+                <a16:creationId xmlns:a16="http://schemas.microsoft.com/office/drawing/2014/main" id="{EF82B3A0-7F96-44F5-8003-2EB8E635263F}"/>
+              </a:ext>
+            </a:extLst>
+          </p:cNvPr>
+          <p:cNvSpPr>
+            <a:spLocks noGrp="1"/>
+          </p:cNvSpPr>
+          <p:nvPr>
+            <p:ph idx="1"/>
+          </p:nvPr>
+        </p:nvSpPr>
+        <p:spPr/>
+        <p:txBody>
+          <a:bodyPr/>
+          <a:lstStyle/>
+          <a:p>
+            <a:endParaRPr lang="pt-BR"/>
+          </a:p>
+        </p:txBody>
+      </p:sp>
+    </p:spTree>
+    <p:extLst>
+      <p:ext uri="{BB962C8B-B14F-4D97-AF65-F5344CB8AC3E}">
+        <p14:creationId xmlns:p14="http://schemas.microsoft.com/office/powerpoint/2010/main" val="3049127149"/>
       </p:ext>
     </p:extLst>
   </p:cSld>
